--- a/Slides/update2_kinematics.pptx
+++ b/Slides/update2_kinematics.pptx
@@ -361,7 +361,7 @@
           <a:p>
             <a:fld id="{A9A44A77-9DDE-461D-BD65-BFC0B5AAC1EE}" type="datetimeFigureOut">
               <a:rPr lang="en-US" smtClean="0"/>
-              <a:t>05-Oct-21</a:t>
+              <a:t>11-Oct-21</a:t>
             </a:fld>
             <a:endParaRPr lang="en-US" dirty="0"/>
           </a:p>
@@ -538,7 +538,7 @@
           <a:p>
             <a:fld id="{B8D84E1C-AC56-4754-80D0-24446F1FACE3}" type="datetimeFigureOut">
               <a:rPr lang="en-US" smtClean="0"/>
-              <a:t>05-Oct-21</a:t>
+              <a:t>11-Oct-21</a:t>
             </a:fld>
             <a:endParaRPr lang="en-US" dirty="0"/>
           </a:p>
@@ -10442,7 +10442,7 @@
                         <a:latin typeface="Cambria Math" panose="02040503050406030204" pitchFamily="18" charset="0"/>
                         <a:ea typeface="Cambria Math" panose="02040503050406030204" pitchFamily="18" charset="0"/>
                       </a:rPr>
-                      <m:t>𝐿</m:t>
+                      <m:t>1</m:t>
                     </m:r>
                     <m:r>
                       <a:rPr lang="en-US" b="0" i="1" smtClean="0">
@@ -10576,6 +10576,12 @@
                                 </a:rPr>
                                 <m:t>𝑠</m:t>
                               </m:r>
+                              <m:r>
+                                <a:rPr lang="en-US" b="0" i="1" smtClean="0">
+                                  <a:latin typeface="Cambria Math" panose="02040503050406030204" pitchFamily="18" charset="0"/>
+                                </a:rPr>
+                                <m:t>𝐿</m:t>
+                              </m:r>
                             </m:e>
                           </m:mr>
                           <m:mr>
@@ -11214,8 +11220,8 @@
           </a:p>
         </p:txBody>
       </p:sp>
-      <mc:AlternateContent xmlns:mc="http://schemas.openxmlformats.org/markup-compatibility/2006">
-        <mc:Choice xmlns:a14="http://schemas.microsoft.com/office/drawing/2010/main" Requires="a14">
+      <mc:AlternateContent xmlns:mc="http://schemas.openxmlformats.org/markup-compatibility/2006" xmlns:a14="http://schemas.microsoft.com/office/drawing/2010/main">
+        <mc:Choice Requires="a14">
           <p:sp>
             <p:nvSpPr>
               <p:cNvPr id="3" name="Content Placeholder 2">
@@ -11722,7 +11728,7 @@
             </p:txBody>
           </p:sp>
         </mc:Choice>
-        <mc:Fallback>
+        <mc:Fallback xmlns="">
           <p:sp>
             <p:nvSpPr>
               <p:cNvPr id="3" name="Content Placeholder 2">
